--- a/EPM/EPM Executive Summary Template.pptx
+++ b/EPM/EPM Executive Summary Template.pptx
@@ -827,7 +827,7 @@
               <a:rPr lang="en-US" smtClean="0">
                 <a:latin typeface="Segoe UI" pitchFamily="34" charset="0"/>
               </a:rPr>
-              <a:t>11/8/2022 11:24 AM</a:t>
+              <a:t>11/15/2022 12:06 PM</a:t>
             </a:fld>
             <a:endParaRPr lang="en-US">
               <a:latin typeface="Segoe UI" pitchFamily="34" charset="0"/>
@@ -1105,7 +1105,7 @@
           <a:p>
             <a:fld id="{386CE63F-9E7F-4C04-9D0D-FCA25A8E9E86}" type="datetime8">
               <a:rPr lang="en-US" smtClean="0"/>
-              <a:t>11/8/2022 11:23 AM</a:t>
+              <a:t>11/15/2022 12:06 PM</a:t>
             </a:fld>
             <a:endParaRPr lang="en-US"/>
           </a:p>
@@ -1472,7 +1472,7 @@
           <a:p>
             <a:fld id="{62072DC8-D49D-432C-9D46-A7718B5F5490}" type="datetime8">
               <a:rPr lang="en-US" smtClean="0"/>
-              <a:t>11/8/2022 11:23 AM</a:t>
+              <a:t>11/15/2022 12:06 PM</a:t>
             </a:fld>
             <a:endParaRPr lang="en-US"/>
           </a:p>
@@ -1976,7 +1976,7 @@
                 <a:tabLst/>
                 <a:defRPr/>
               </a:pPr>
-              <a:t>11/8/2022 11:23 AM</a:t>
+              <a:t>11/15/2022 12:06 PM</a:t>
             </a:fld>
             <a:endParaRPr kumimoji="0" lang="en-US" sz="1200" b="0" i="0" u="none" strike="noStrike" kern="1200" cap="none" spc="0" normalizeH="0" baseline="0" noProof="0">
               <a:ln>
@@ -2528,7 +2528,7 @@
           <a:p>
             <a:fld id="{386CE63F-9E7F-4C04-9D0D-FCA25A8E9E86}" type="datetime8">
               <a:rPr lang="en-US" smtClean="0"/>
-              <a:t>11/8/2022 11:23 AM</a:t>
+              <a:t>11/15/2022 12:06 PM</a:t>
             </a:fld>
             <a:endParaRPr lang="en-US"/>
           </a:p>
@@ -2693,7 +2693,7 @@
           <a:p>
             <a:fld id="{386CE63F-9E7F-4C04-9D0D-FCA25A8E9E86}" type="datetime8">
               <a:rPr lang="en-US" smtClean="0"/>
-              <a:t>11/8/2022 11:23 AM</a:t>
+              <a:t>11/15/2022 12:06 PM</a:t>
             </a:fld>
             <a:endParaRPr lang="en-US"/>
           </a:p>
@@ -2861,7 +2861,7 @@
           <a:p>
             <a:fld id="{386CE63F-9E7F-4C04-9D0D-FCA25A8E9E86}" type="datetime8">
               <a:rPr lang="en-US" smtClean="0"/>
-              <a:t>11/8/2022 11:23 AM</a:t>
+              <a:t>11/15/2022 12:06 PM</a:t>
             </a:fld>
             <a:endParaRPr lang="en-US"/>
           </a:p>
@@ -7321,10 +7321,6 @@
           <a:bodyPr/>
           <a:lstStyle/>
           <a:p>
-            <a:r>
-              <a:rPr lang="en-US" dirty="0" err="1"/>
-              <a:t>Quantium</a:t>
-            </a:r>
             <a:endParaRPr lang="en-US" dirty="0"/>
           </a:p>
         </p:txBody>
@@ -15471,21 +15467,6 @@
 </file>
 
 <file path=customXml/item1.xml><?xml version="1.0" encoding="utf-8"?>
-<p:properties xmlns:p="http://schemas.microsoft.com/office/2006/metadata/properties" xmlns:xsi="http://www.w3.org/2001/XMLSchema-instance" xmlns:pc="http://schemas.microsoft.com/office/infopath/2007/PartnerControls">
-  <documentManagement/>
-</p:properties>
-</file>
-
-<file path=customXml/item2.xml><?xml version="1.0" encoding="utf-8"?>
-<?mso-contentType ?>
-<FormTemplates xmlns="http://schemas.microsoft.com/sharepoint/v3/contenttype/forms">
-  <Display>DocumentLibraryForm</Display>
-  <Edit>DocumentLibraryForm</Edit>
-  <New>DocumentLibraryForm</New>
-</FormTemplates>
-</file>
-
-<file path=customXml/item3.xml><?xml version="1.0" encoding="utf-8"?>
 <ct:contentTypeSchema xmlns:ct="http://schemas.microsoft.com/office/2006/metadata/contentType" xmlns:ma="http://schemas.microsoft.com/office/2006/metadata/properties/metaAttributes" ct:_="" ma:_="" ma:contentTypeName="Document" ma:contentTypeID="0x0101003CCBBE99590A7A4A93C1CFB29C56B0F4" ma:contentTypeVersion="6" ma:contentTypeDescription="Create a new document." ma:contentTypeScope="" ma:versionID="5090ae1b55dd417babf30f678d250135">
   <xsd:schema xmlns:xsd="http://www.w3.org/2001/XMLSchema" xmlns:xs="http://www.w3.org/2001/XMLSchema" xmlns:p="http://schemas.microsoft.com/office/2006/metadata/properties" xmlns:ns2="f0375dd4-3e73-4a11-8ab4-05910697eb74" xmlns:ns3="08e84658-33ce-4c8d-a03d-dc642cfac230" targetNamespace="http://schemas.microsoft.com/office/2006/metadata/properties" ma:root="true" ma:fieldsID="2b4a80b05534046fd83bded03e9b156d" ns2:_="" ns3:_="">
     <xsd:import namespace="f0375dd4-3e73-4a11-8ab4-05910697eb74"/>
@@ -15664,7 +15645,49 @@
 </ct:contentTypeSchema>
 </file>
 
+<file path=customXml/item2.xml><?xml version="1.0" encoding="utf-8"?>
+<?mso-contentType ?>
+<FormTemplates xmlns="http://schemas.microsoft.com/sharepoint/v3/contenttype/forms">
+  <Display>DocumentLibraryForm</Display>
+  <Edit>DocumentLibraryForm</Edit>
+  <New>DocumentLibraryForm</New>
+</FormTemplates>
+</file>
+
+<file path=customXml/item3.xml><?xml version="1.0" encoding="utf-8"?>
+<p:properties xmlns:p="http://schemas.microsoft.com/office/2006/metadata/properties" xmlns:xsi="http://www.w3.org/2001/XMLSchema-instance" xmlns:pc="http://schemas.microsoft.com/office/infopath/2007/PartnerControls">
+  <documentManagement/>
+</p:properties>
+</file>
+
 <file path=customXml/itemProps1.xml><?xml version="1.0" encoding="utf-8"?>
+<ds:datastoreItem xmlns:ds="http://schemas.openxmlformats.org/officeDocument/2006/customXml" ds:itemID="{7374EBC8-2DE9-4869-A67A-8CB0041EE023}">
+  <ds:schemaRefs>
+    <ds:schemaRef ds:uri="http://schemas.microsoft.com/office/2006/metadata/contentType"/>
+    <ds:schemaRef ds:uri="http://schemas.microsoft.com/office/2006/metadata/properties/metaAttributes"/>
+    <ds:schemaRef ds:uri="http://www.w3.org/2001/XMLSchema"/>
+    <ds:schemaRef ds:uri="http://schemas.microsoft.com/office/2006/metadata/properties"/>
+    <ds:schemaRef ds:uri="f0375dd4-3e73-4a11-8ab4-05910697eb74"/>
+    <ds:schemaRef ds:uri="08e84658-33ce-4c8d-a03d-dc642cfac230"/>
+    <ds:schemaRef ds:uri="http://schemas.microsoft.com/office/2006/documentManagement/types"/>
+    <ds:schemaRef ds:uri="http://schemas.microsoft.com/office/infopath/2007/PartnerControls"/>
+    <ds:schemaRef ds:uri="http://schemas.openxmlformats.org/package/2006/metadata/core-properties"/>
+    <ds:schemaRef ds:uri="http://purl.org/dc/elements/1.1/"/>
+    <ds:schemaRef ds:uri="http://purl.org/dc/terms/"/>
+    <ds:schemaRef ds:uri="http://schemas.microsoft.com/internal/obd"/>
+  </ds:schemaRefs>
+</ds:datastoreItem>
+</file>
+
+<file path=customXml/itemProps2.xml><?xml version="1.0" encoding="utf-8"?>
+<ds:datastoreItem xmlns:ds="http://schemas.openxmlformats.org/officeDocument/2006/customXml" ds:itemID="{758FDAC0-319D-4A54-8D8E-1D42CB1F8004}">
+  <ds:schemaRefs>
+    <ds:schemaRef ds:uri="http://schemas.microsoft.com/sharepoint/v3/contenttype/forms"/>
+  </ds:schemaRefs>
+</ds:datastoreItem>
+</file>
+
+<file path=customXml/itemProps3.xml><?xml version="1.0" encoding="utf-8"?>
 <ds:datastoreItem xmlns:ds="http://schemas.openxmlformats.org/officeDocument/2006/customXml" ds:itemID="{F990F116-B58F-4255-B05B-DA3808E0E5C6}">
   <ds:schemaRefs>
     <ds:schemaRef ds:uri="http://schemas.microsoft.com/office/2006/documentManagement/types"/>
@@ -15683,33 +15706,6 @@
 </ds:datastoreItem>
 </file>
 
-<file path=customXml/itemProps2.xml><?xml version="1.0" encoding="utf-8"?>
-<ds:datastoreItem xmlns:ds="http://schemas.openxmlformats.org/officeDocument/2006/customXml" ds:itemID="{758FDAC0-319D-4A54-8D8E-1D42CB1F8004}">
-  <ds:schemaRefs>
-    <ds:schemaRef ds:uri="http://schemas.microsoft.com/sharepoint/v3/contenttype/forms"/>
-  </ds:schemaRefs>
-</ds:datastoreItem>
-</file>
-
-<file path=customXml/itemProps3.xml><?xml version="1.0" encoding="utf-8"?>
-<ds:datastoreItem xmlns:ds="http://schemas.openxmlformats.org/officeDocument/2006/customXml" ds:itemID="{7374EBC8-2DE9-4869-A67A-8CB0041EE023}">
-  <ds:schemaRefs>
-    <ds:schemaRef ds:uri="http://schemas.microsoft.com/office/2006/metadata/contentType"/>
-    <ds:schemaRef ds:uri="http://schemas.microsoft.com/office/2006/metadata/properties/metaAttributes"/>
-    <ds:schemaRef ds:uri="http://www.w3.org/2001/XMLSchema"/>
-    <ds:schemaRef ds:uri="http://schemas.microsoft.com/office/2006/metadata/properties"/>
-    <ds:schemaRef ds:uri="f0375dd4-3e73-4a11-8ab4-05910697eb74"/>
-    <ds:schemaRef ds:uri="08e84658-33ce-4c8d-a03d-dc642cfac230"/>
-    <ds:schemaRef ds:uri="http://schemas.microsoft.com/office/2006/documentManagement/types"/>
-    <ds:schemaRef ds:uri="http://schemas.microsoft.com/office/infopath/2007/PartnerControls"/>
-    <ds:schemaRef ds:uri="http://schemas.openxmlformats.org/package/2006/metadata/core-properties"/>
-    <ds:schemaRef ds:uri="http://purl.org/dc/elements/1.1/"/>
-    <ds:schemaRef ds:uri="http://purl.org/dc/terms/"/>
-    <ds:schemaRef ds:uri="http://schemas.microsoft.com/internal/obd"/>
-  </ds:schemaRefs>
-</ds:datastoreItem>
-</file>
-
 <file path=docMetadata/LabelInfo.xml><?xml version="1.0" encoding="utf-8"?>
 <clbl:labelList xmlns:clbl="http://schemas.microsoft.com/office/2020/mipLabelMetadata">
   <clbl:label id="{f42aa342-8706-4288-bd11-ebb85995028c}" enabled="1" method="Privileged" siteId="{72f988bf-86f1-41af-91ab-2d7cd011db47}" removed="0"/>
